--- a/MEALOG_R0.pptx
+++ b/MEALOG_R0.pptx
@@ -261,7 +261,7 @@
           <a:p>
             <a:fld id="{32855339-3F4C-4654-8392-DC0D73CE1B3F}" type="datetimeFigureOut">
               <a:rPr lang="ko-KR" altLang="en-US" smtClean="0"/>
-              <a:t>2026-01-21</a:t>
+              <a:t>2026-01-24</a:t>
             </a:fld>
             <a:endParaRPr lang="ko-KR" altLang="en-US"/>
           </a:p>
@@ -459,7 +459,7 @@
           <a:p>
             <a:fld id="{32855339-3F4C-4654-8392-DC0D73CE1B3F}" type="datetimeFigureOut">
               <a:rPr lang="ko-KR" altLang="en-US" smtClean="0"/>
-              <a:t>2026-01-21</a:t>
+              <a:t>2026-01-24</a:t>
             </a:fld>
             <a:endParaRPr lang="ko-KR" altLang="en-US"/>
           </a:p>
@@ -667,7 +667,7 @@
           <a:p>
             <a:fld id="{32855339-3F4C-4654-8392-DC0D73CE1B3F}" type="datetimeFigureOut">
               <a:rPr lang="ko-KR" altLang="en-US" smtClean="0"/>
-              <a:t>2026-01-21</a:t>
+              <a:t>2026-01-24</a:t>
             </a:fld>
             <a:endParaRPr lang="ko-KR" altLang="en-US"/>
           </a:p>
@@ -865,7 +865,7 @@
           <a:p>
             <a:fld id="{32855339-3F4C-4654-8392-DC0D73CE1B3F}" type="datetimeFigureOut">
               <a:rPr lang="ko-KR" altLang="en-US" smtClean="0"/>
-              <a:t>2026-01-21</a:t>
+              <a:t>2026-01-24</a:t>
             </a:fld>
             <a:endParaRPr lang="ko-KR" altLang="en-US"/>
           </a:p>
@@ -1140,7 +1140,7 @@
           <a:p>
             <a:fld id="{32855339-3F4C-4654-8392-DC0D73CE1B3F}" type="datetimeFigureOut">
               <a:rPr lang="ko-KR" altLang="en-US" smtClean="0"/>
-              <a:t>2026-01-21</a:t>
+              <a:t>2026-01-24</a:t>
             </a:fld>
             <a:endParaRPr lang="ko-KR" altLang="en-US"/>
           </a:p>
@@ -1405,7 +1405,7 @@
           <a:p>
             <a:fld id="{32855339-3F4C-4654-8392-DC0D73CE1B3F}" type="datetimeFigureOut">
               <a:rPr lang="ko-KR" altLang="en-US" smtClean="0"/>
-              <a:t>2026-01-21</a:t>
+              <a:t>2026-01-24</a:t>
             </a:fld>
             <a:endParaRPr lang="ko-KR" altLang="en-US"/>
           </a:p>
@@ -1817,7 +1817,7 @@
           <a:p>
             <a:fld id="{32855339-3F4C-4654-8392-DC0D73CE1B3F}" type="datetimeFigureOut">
               <a:rPr lang="ko-KR" altLang="en-US" smtClean="0"/>
-              <a:t>2026-01-21</a:t>
+              <a:t>2026-01-24</a:t>
             </a:fld>
             <a:endParaRPr lang="ko-KR" altLang="en-US"/>
           </a:p>
@@ -1958,7 +1958,7 @@
           <a:p>
             <a:fld id="{32855339-3F4C-4654-8392-DC0D73CE1B3F}" type="datetimeFigureOut">
               <a:rPr lang="ko-KR" altLang="en-US" smtClean="0"/>
-              <a:t>2026-01-21</a:t>
+              <a:t>2026-01-24</a:t>
             </a:fld>
             <a:endParaRPr lang="ko-KR" altLang="en-US"/>
           </a:p>
@@ -2071,7 +2071,7 @@
           <a:p>
             <a:fld id="{32855339-3F4C-4654-8392-DC0D73CE1B3F}" type="datetimeFigureOut">
               <a:rPr lang="ko-KR" altLang="en-US" smtClean="0"/>
-              <a:t>2026-01-21</a:t>
+              <a:t>2026-01-24</a:t>
             </a:fld>
             <a:endParaRPr lang="ko-KR" altLang="en-US"/>
           </a:p>
@@ -2382,7 +2382,7 @@
           <a:p>
             <a:fld id="{32855339-3F4C-4654-8392-DC0D73CE1B3F}" type="datetimeFigureOut">
               <a:rPr lang="ko-KR" altLang="en-US" smtClean="0"/>
-              <a:t>2026-01-21</a:t>
+              <a:t>2026-01-24</a:t>
             </a:fld>
             <a:endParaRPr lang="ko-KR" altLang="en-US"/>
           </a:p>
@@ -2670,7 +2670,7 @@
           <a:p>
             <a:fld id="{32855339-3F4C-4654-8392-DC0D73CE1B3F}" type="datetimeFigureOut">
               <a:rPr lang="ko-KR" altLang="en-US" smtClean="0"/>
-              <a:t>2026-01-21</a:t>
+              <a:t>2026-01-24</a:t>
             </a:fld>
             <a:endParaRPr lang="ko-KR" altLang="en-US"/>
           </a:p>
@@ -2911,7 +2911,7 @@
           <a:p>
             <a:fld id="{32855339-3F4C-4654-8392-DC0D73CE1B3F}" type="datetimeFigureOut">
               <a:rPr lang="ko-KR" altLang="en-US" smtClean="0"/>
-              <a:t>2026-01-21</a:t>
+              <a:t>2026-01-24</a:t>
             </a:fld>
             <a:endParaRPr lang="ko-KR" altLang="en-US"/>
           </a:p>
@@ -3983,6 +3983,95 @@
           <a:chExt cx="0" cy="0"/>
         </a:xfrm>
       </p:grpSpPr>
+      <p:pic>
+        <p:nvPicPr>
+          <p:cNvPr id="2" name="그림 1">
+            <a:extLst>
+              <a:ext uri="{FF2B5EF4-FFF2-40B4-BE49-F238E27FC236}">
+                <a16:creationId xmlns:a16="http://schemas.microsoft.com/office/drawing/2014/main" id="{272350A1-6D7F-4112-A06D-9C83E6F29185}"/>
+              </a:ext>
+            </a:extLst>
+          </p:cNvPr>
+          <p:cNvPicPr>
+            <a:picLocks noChangeAspect="1"/>
+          </p:cNvPicPr>
+          <p:nvPr/>
+        </p:nvPicPr>
+        <p:blipFill>
+          <a:blip r:embed="rId2"/>
+          <a:stretch>
+            <a:fillRect/>
+          </a:stretch>
+        </p:blipFill>
+        <p:spPr>
+          <a:xfrm>
+            <a:off x="0" y="115117"/>
+            <a:ext cx="4733925" cy="1123950"/>
+          </a:xfrm>
+          <a:prstGeom prst="rect">
+            <a:avLst/>
+          </a:prstGeom>
+        </p:spPr>
+      </p:pic>
+      <p:pic>
+        <p:nvPicPr>
+          <p:cNvPr id="3" name="그림 2">
+            <a:extLst>
+              <a:ext uri="{FF2B5EF4-FFF2-40B4-BE49-F238E27FC236}">
+                <a16:creationId xmlns:a16="http://schemas.microsoft.com/office/drawing/2014/main" id="{A35397D4-499A-457D-BDB3-B25B46016972}"/>
+              </a:ext>
+            </a:extLst>
+          </p:cNvPr>
+          <p:cNvPicPr>
+            <a:picLocks noChangeAspect="1"/>
+          </p:cNvPicPr>
+          <p:nvPr/>
+        </p:nvPicPr>
+        <p:blipFill>
+          <a:blip r:embed="rId3"/>
+          <a:stretch>
+            <a:fillRect/>
+          </a:stretch>
+        </p:blipFill>
+        <p:spPr>
+          <a:xfrm>
+            <a:off x="-171450" y="978898"/>
+            <a:ext cx="4905375" cy="1085850"/>
+          </a:xfrm>
+          <a:prstGeom prst="rect">
+            <a:avLst/>
+          </a:prstGeom>
+        </p:spPr>
+      </p:pic>
+      <p:pic>
+        <p:nvPicPr>
+          <p:cNvPr id="4" name="그림 3">
+            <a:extLst>
+              <a:ext uri="{FF2B5EF4-FFF2-40B4-BE49-F238E27FC236}">
+                <a16:creationId xmlns:a16="http://schemas.microsoft.com/office/drawing/2014/main" id="{A7F11C57-5023-46A7-90E5-E77A95B77190}"/>
+              </a:ext>
+            </a:extLst>
+          </p:cNvPr>
+          <p:cNvPicPr>
+            <a:picLocks noChangeAspect="1"/>
+          </p:cNvPicPr>
+          <p:nvPr/>
+        </p:nvPicPr>
+        <p:blipFill rotWithShape="1">
+          <a:blip r:embed="rId3"/>
+          <a:srcRect l="9437" t="33168" r="66493" b="34947"/>
+          <a:stretch/>
+        </p:blipFill>
+        <p:spPr>
+          <a:xfrm>
+            <a:off x="328473" y="200778"/>
+            <a:ext cx="1180731" cy="346229"/>
+          </a:xfrm>
+          <a:prstGeom prst="rect">
+            <a:avLst/>
+          </a:prstGeom>
+        </p:spPr>
+      </p:pic>
     </p:spTree>
     <p:extLst>
       <p:ext uri="{BB962C8B-B14F-4D97-AF65-F5344CB8AC3E}">
